--- a/presentation/ARTexceptionals.pptx
+++ b/presentation/ARTexceptionals.pptx
@@ -8475,9 +8475,33 @@
           </a:p>
         </p:txBody>
       </p:sp>
+      <p:sp>
+        <p:nvSpPr>
+          <p:cNvPr id="2" name="Slide Number Placeholder 1"/>
+          <p:cNvSpPr>
+            <a:spLocks noGrp="1"/>
+          </p:cNvSpPr>
+          <p:nvPr>
+            <p:ph type="sldNum" sz="quarter" idx="12"/>
+          </p:nvPr>
+        </p:nvSpPr>
+        <p:spPr/>
+        <p:txBody>
+          <a:bodyPr/>
+          <a:lstStyle/>
+          <a:p>
+            <a:fld id="{D57F1E4F-1CFF-5643-939E-217C01CDF565}" type="slidenum">
+              <a:rPr lang="en-US" sz="1600" smtClean="0"/>
+              <a:pPr/>
+              <a:t>4</a:t>
+            </a:fld>
+            <a:endParaRPr lang="en-US" sz="1600" dirty="0"/>
+          </a:p>
+        </p:txBody>
+      </p:sp>
       <p:pic>
         <p:nvPicPr>
-          <p:cNvPr id="3" name="Picture 2"/>
+          <p:cNvPr id="4" name="Picture 3"/>
           <p:cNvPicPr>
             <a:picLocks noChangeAspect="1"/>
           </p:cNvPicPr>
@@ -8497,38 +8521,14 @@
         </p:blipFill>
         <p:spPr>
           <a:xfrm>
-            <a:off x="1411935" y="782889"/>
-            <a:ext cx="7050930" cy="5865399"/>
+            <a:off x="1705403" y="769741"/>
+            <a:ext cx="6148182" cy="5945169"/>
           </a:xfrm>
           <a:prstGeom prst="rect">
             <a:avLst/>
           </a:prstGeom>
         </p:spPr>
       </p:pic>
-      <p:sp>
-        <p:nvSpPr>
-          <p:cNvPr id="2" name="Slide Number Placeholder 1"/>
-          <p:cNvSpPr>
-            <a:spLocks noGrp="1"/>
-          </p:cNvSpPr>
-          <p:nvPr>
-            <p:ph type="sldNum" sz="quarter" idx="12"/>
-          </p:nvPr>
-        </p:nvSpPr>
-        <p:spPr/>
-        <p:txBody>
-          <a:bodyPr/>
-          <a:lstStyle/>
-          <a:p>
-            <a:fld id="{D57F1E4F-1CFF-5643-939E-217C01CDF565}" type="slidenum">
-              <a:rPr lang="en-US" sz="1600" smtClean="0"/>
-              <a:pPr/>
-              <a:t>4</a:t>
-            </a:fld>
-            <a:endParaRPr lang="en-US" sz="1600" dirty="0"/>
-          </a:p>
-        </p:txBody>
-      </p:sp>
     </p:spTree>
     <p:extLst>
       <p:ext uri="{BB962C8B-B14F-4D97-AF65-F5344CB8AC3E}">
@@ -9166,15 +9166,37 @@
           </a:p>
         </p:txBody>
       </p:sp>
+      <p:sp>
+        <p:nvSpPr>
+          <p:cNvPr id="2" name="Slide Number Placeholder 1"/>
+          <p:cNvSpPr>
+            <a:spLocks noGrp="1"/>
+          </p:cNvSpPr>
+          <p:nvPr>
+            <p:ph type="sldNum" sz="quarter" idx="12"/>
+          </p:nvPr>
+        </p:nvSpPr>
+        <p:spPr/>
+        <p:txBody>
+          <a:bodyPr/>
+          <a:lstStyle/>
+          <a:p>
+            <a:fld id="{D57F1E4F-1CFF-5643-939E-217C01CDF565}" type="slidenum">
+              <a:rPr lang="en-US" sz="1600" smtClean="0"/>
+              <a:pPr/>
+              <a:t>8</a:t>
+            </a:fld>
+            <a:endParaRPr lang="en-US" sz="1600" dirty="0"/>
+          </a:p>
+        </p:txBody>
+      </p:sp>
       <p:pic>
         <p:nvPicPr>
-          <p:cNvPr id="6" name="Content Placeholder 5"/>
+          <p:cNvPr id="3" name="Picture 2"/>
           <p:cNvPicPr>
-            <a:picLocks noGrp="1" noChangeAspect="1"/>
+            <a:picLocks noChangeAspect="1"/>
           </p:cNvPicPr>
-          <p:nvPr>
-            <p:ph idx="4294967295"/>
-          </p:nvPr>
+          <p:nvPr/>
         </p:nvPicPr>
         <p:blipFill>
           <a:blip r:embed="rId2">
@@ -9190,35 +9212,14 @@
         </p:blipFill>
         <p:spPr>
           <a:xfrm>
-            <a:off x="668788" y="1682261"/>
-            <a:ext cx="7913688" cy="3881437"/>
+            <a:off x="350378" y="1238446"/>
+            <a:ext cx="9221815" cy="4802916"/>
           </a:xfrm>
+          <a:prstGeom prst="rect">
+            <a:avLst/>
+          </a:prstGeom>
         </p:spPr>
       </p:pic>
-      <p:sp>
-        <p:nvSpPr>
-          <p:cNvPr id="2" name="Slide Number Placeholder 1"/>
-          <p:cNvSpPr>
-            <a:spLocks noGrp="1"/>
-          </p:cNvSpPr>
-          <p:nvPr>
-            <p:ph type="sldNum" sz="quarter" idx="12"/>
-          </p:nvPr>
-        </p:nvSpPr>
-        <p:spPr/>
-        <p:txBody>
-          <a:bodyPr/>
-          <a:lstStyle/>
-          <a:p>
-            <a:fld id="{D57F1E4F-1CFF-5643-939E-217C01CDF565}" type="slidenum">
-              <a:rPr lang="en-US" sz="1600" smtClean="0"/>
-              <a:pPr/>
-              <a:t>8</a:t>
-            </a:fld>
-            <a:endParaRPr lang="en-US" sz="1600" dirty="0"/>
-          </a:p>
-        </p:txBody>
-      </p:sp>
     </p:spTree>
     <p:extLst>
       <p:ext uri="{BB962C8B-B14F-4D97-AF65-F5344CB8AC3E}">
